--- a/course_material/03_html/Intro_to_HTML.pptx
+++ b/course_material/03_html/Intro_to_HTML.pptx
@@ -3196,8 +3196,8 @@
         </p:nvSpPr>
         <p:spPr>
           <a:xfrm>
-            <a:off x="1206499" y="3130549"/>
-            <a:ext cx="21971001" cy="852211"/>
+            <a:off x="1206500" y="3130550"/>
+            <a:ext cx="21971000" cy="852210"/>
           </a:xfrm>
           <a:prstGeom prst="rect">
             <a:avLst/>
@@ -4805,8 +4805,8 @@
         </p:blipFill>
         <p:spPr>
           <a:xfrm>
-            <a:off x="15079083" y="6395143"/>
-            <a:ext cx="8084316" cy="2913911"/>
+            <a:off x="15079084" y="6395143"/>
+            <a:ext cx="8084316" cy="2913912"/>
           </a:xfrm>
           <a:prstGeom prst="rect">
             <a:avLst/>
@@ -4854,8 +4854,8 @@
         </p:nvSpPr>
         <p:spPr>
           <a:xfrm>
-            <a:off x="1206499" y="10449668"/>
-            <a:ext cx="21971001" cy="2754370"/>
+            <a:off x="1206500" y="10449668"/>
+            <a:ext cx="21971000" cy="2754370"/>
           </a:xfrm>
           <a:prstGeom prst="rect">
             <a:avLst/>
@@ -4920,8 +4920,8 @@
         </p:blipFill>
         <p:spPr>
           <a:xfrm>
-            <a:off x="4833992" y="3669668"/>
-            <a:ext cx="17125210" cy="6376611"/>
+            <a:off x="4833992" y="3669667"/>
+            <a:ext cx="17125210" cy="6376612"/>
           </a:xfrm>
           <a:prstGeom prst="rect">
             <a:avLst/>
@@ -5095,8 +5095,8 @@
         </p:nvSpPr>
         <p:spPr>
           <a:xfrm>
-            <a:off x="1364568" y="4258856"/>
-            <a:ext cx="8173109" cy="8386851"/>
+            <a:off x="1349946" y="4039341"/>
+            <a:ext cx="10168444" cy="8386851"/>
           </a:xfrm>
           <a:prstGeom prst="rect">
             <a:avLst/>
@@ -5106,57 +5106,96 @@
           <a:bodyPr/>
           <a:lstStyle/>
           <a:p>
-            <a:pPr marL="0" indent="0">
+            <a:pPr marL="0" indent="0" defTabSz="2170121">
               <a:lnSpc>
                 <a:spcPct val="120000"/>
               </a:lnSpc>
+              <a:spcBef>
+                <a:spcPts val="4000"/>
+              </a:spcBef>
               <a:buSzTx/>
               <a:buNone/>
+              <a:defRPr sz="3204"/>
             </a:pPr>
             <a:r>
               <a:t>In this activity, you’ll create a student bio using HTML.</a:t>
             </a:r>
           </a:p>
           <a:p>
-            <a:pPr marL="0" indent="0">
+            <a:pPr marL="0" indent="0" defTabSz="2170121">
               <a:lnSpc>
                 <a:spcPct val="120000"/>
               </a:lnSpc>
+              <a:spcBef>
+                <a:spcPts val="4000"/>
+              </a:spcBef>
               <a:buSzTx/>
               <a:buNone/>
+              <a:defRPr sz="3204"/>
             </a:pPr>
             <a:r>
               <a:t>Write one paragraph about yourself and then write a second paragraph using Lorem ipsum.</a:t>
             </a:r>
           </a:p>
           <a:p>
-            <a:pPr marL="0" indent="0">
+            <a:pPr marL="0" indent="0" defTabSz="2170121">
               <a:lnSpc>
                 <a:spcPct val="120000"/>
               </a:lnSpc>
+              <a:spcBef>
+                <a:spcPts val="4000"/>
+              </a:spcBef>
               <a:buSzTx/>
               <a:buNone/>
+              <a:defRPr sz="3204"/>
             </a:pPr>
             <a:r>
-              <a:t>You will then add, commit, and push your completed HTML to GitHub.</a:t>
-            </a:r>
-          </a:p>
-          <a:p>
-            <a:pPr marL="0" indent="0">
+              <a:t>Create a table with 2 columns (animal class and animal name) and 4 rows of animals</a:t>
+            </a:r>
+          </a:p>
+          <a:p>
+            <a:pPr marL="0" indent="0" defTabSz="2170121">
               <a:lnSpc>
                 <a:spcPct val="120000"/>
               </a:lnSpc>
+              <a:spcBef>
+                <a:spcPts val="4000"/>
+              </a:spcBef>
               <a:buSzTx/>
               <a:buNone/>
+              <a:defRPr sz="3204"/>
             </a:pPr>
-          </a:p>
-          <a:p>
-            <a:pPr marL="0" indent="0">
+            <a:r>
+              <a:t>Embed a YouTube video of your favorite band/musician</a:t>
+            </a:r>
+          </a:p>
+          <a:p>
+            <a:pPr marL="0" indent="0" defTabSz="2170121">
               <a:lnSpc>
                 <a:spcPct val="120000"/>
               </a:lnSpc>
+              <a:spcBef>
+                <a:spcPts val="4000"/>
+              </a:spcBef>
               <a:buSzTx/>
               <a:buNone/>
+              <a:defRPr sz="3204"/>
+            </a:pPr>
+            <a:r>
+              <a:t>You will then add, commit, and push your completed HTML to GitHub.</a:t>
+            </a:r>
+          </a:p>
+          <a:p>
+            <a:pPr marL="0" indent="0" defTabSz="2170121">
+              <a:lnSpc>
+                <a:spcPct val="120000"/>
+              </a:lnSpc>
+              <a:spcBef>
+                <a:spcPts val="4000"/>
+              </a:spcBef>
+              <a:buSzTx/>
+              <a:buNone/>
+              <a:defRPr sz="3204"/>
             </a:pPr>
             <a:r>
               <a:rPr u="sng">
@@ -5186,8 +5225,8 @@
         </p:blipFill>
         <p:spPr>
           <a:xfrm>
-            <a:off x="10024276" y="3492106"/>
-            <a:ext cx="13805390" cy="9481516"/>
+            <a:off x="11773434" y="4092765"/>
+            <a:ext cx="12056231" cy="8280198"/>
           </a:xfrm>
           <a:prstGeom prst="rect">
             <a:avLst/>
@@ -6075,8 +6114,8 @@
         </p:nvSpPr>
         <p:spPr>
           <a:xfrm>
-            <a:off x="15212650" y="6544697"/>
-            <a:ext cx="518177" cy="1278927"/>
+            <a:off x="15212649" y="6544697"/>
+            <a:ext cx="518178" cy="1278927"/>
           </a:xfrm>
           <a:prstGeom prst="rect">
             <a:avLst/>
@@ -6148,8 +6187,8 @@
         </p:nvSpPr>
         <p:spPr>
           <a:xfrm>
-            <a:off x="1206499" y="3360403"/>
-            <a:ext cx="11554484" cy="9037353"/>
+            <a:off x="1206500" y="3360403"/>
+            <a:ext cx="11554483" cy="9037353"/>
           </a:xfrm>
           <a:prstGeom prst="rect">
             <a:avLst/>
@@ -6516,7 +6555,7 @@
         <p:spPr>
           <a:xfrm>
             <a:off x="1206500" y="3473506"/>
-            <a:ext cx="21971001" cy="8899127"/>
+            <a:ext cx="21971000" cy="8899127"/>
           </a:xfrm>
           <a:prstGeom prst="rect">
             <a:avLst/>
@@ -7067,7 +7106,7 @@
         </p:nvSpPr>
         <p:spPr>
           <a:xfrm>
-            <a:off x="1364568" y="9411174"/>
+            <a:off x="1364568" y="10259286"/>
             <a:ext cx="21971001" cy="930398"/>
           </a:xfrm>
           <a:prstGeom prst="rect">
@@ -7095,8 +7134,8 @@
         </p:nvSpPr>
         <p:spPr>
           <a:xfrm>
-            <a:off x="1364568" y="10487492"/>
-            <a:ext cx="21971001" cy="3119500"/>
+            <a:off x="1364568" y="11335603"/>
+            <a:ext cx="21971001" cy="1433164"/>
           </a:xfrm>
           <a:prstGeom prst="rect">
             <a:avLst/>
@@ -7147,48 +7186,6 @@
               <a:t>Create an unordered list of 5 bands/musicians you like.</a:t>
             </a:r>
           </a:p>
-          <a:p>
-            <a:pPr marL="342900" indent="-342900" defTabSz="914400">
-              <a:lnSpc>
-                <a:spcPct val="100000"/>
-              </a:lnSpc>
-              <a:spcBef>
-                <a:spcPts val="800"/>
-              </a:spcBef>
-              <a:buSzPct val="100000"/>
-              <a:buFont typeface="Arial"/>
-              <a:defRPr>
-                <a:latin typeface="Arial"/>
-                <a:ea typeface="Arial"/>
-                <a:cs typeface="Arial"/>
-                <a:sym typeface="Arial"/>
-              </a:defRPr>
-            </a:pPr>
-            <a:r>
-              <a:t>Create a table with 2 columns (animal class and animal name) and 4 rows of animals.</a:t>
-            </a:r>
-          </a:p>
-          <a:p>
-            <a:pPr marL="342900" indent="-342900" defTabSz="914400">
-              <a:lnSpc>
-                <a:spcPct val="100000"/>
-              </a:lnSpc>
-              <a:spcBef>
-                <a:spcPts val="800"/>
-              </a:spcBef>
-              <a:buSzPct val="100000"/>
-              <a:buFont typeface="Arial"/>
-              <a:defRPr>
-                <a:latin typeface="Arial"/>
-                <a:ea typeface="Arial"/>
-                <a:cs typeface="Arial"/>
-                <a:sym typeface="Arial"/>
-              </a:defRPr>
-            </a:pPr>
-            <a:r>
-              <a:t>Embed a YouTube video of your favorite band/musician.</a:t>
-            </a:r>
-          </a:p>
         </p:txBody>
       </p:sp>
       <p:sp>
@@ -7202,7 +7199,7 @@
         <p:spPr>
           <a:xfrm>
             <a:off x="1364568" y="4011723"/>
-            <a:ext cx="21971001" cy="5253532"/>
+            <a:ext cx="21971001" cy="6160133"/>
           </a:xfrm>
           <a:prstGeom prst="rect">
             <a:avLst/>
@@ -7212,95 +7209,95 @@
           <a:bodyPr/>
           <a:lstStyle/>
           <a:p>
-            <a:pPr marL="0" indent="0" defTabSz="2023821">
+            <a:pPr marL="0" indent="0" defTabSz="2365188">
               <a:spcBef>
                 <a:spcPts val="0"/>
               </a:spcBef>
               <a:buSzTx/>
               <a:buNone/>
-              <a:defRPr sz="2988"/>
+              <a:defRPr sz="3492"/>
             </a:pPr>
             <a:r>
               <a:t>In a new HTML file, create the basic structure of an HTML document and include the following:</a:t>
             </a:r>
           </a:p>
           <a:p>
-            <a:pPr marL="505968" indent="-505968" defTabSz="2023821">
+            <a:pPr marL="591312" indent="-591312" defTabSz="2365188">
               <a:spcBef>
                 <a:spcPts val="0"/>
               </a:spcBef>
-              <a:defRPr sz="2988"/>
+              <a:defRPr sz="3492"/>
             </a:pPr>
           </a:p>
           <a:p>
-            <a:pPr marL="505968" indent="-505968" defTabSz="2023821">
-              <a:spcBef>
-                <a:spcPts val="400"/>
-              </a:spcBef>
-              <a:defRPr sz="2988"/>
+            <a:pPr marL="591312" indent="-591312" defTabSz="2365188">
+              <a:spcBef>
+                <a:spcPts val="500"/>
+              </a:spcBef>
+              <a:defRPr sz="3492"/>
             </a:pPr>
             <a:r>
               <a:t>DOCTYPE declaration</a:t>
             </a:r>
           </a:p>
           <a:p>
-            <a:pPr marL="505968" indent="-505968" defTabSz="2023821">
-              <a:spcBef>
-                <a:spcPts val="400"/>
-              </a:spcBef>
-              <a:defRPr sz="2988"/>
+            <a:pPr marL="591312" indent="-591312" defTabSz="2365188">
+              <a:spcBef>
+                <a:spcPts val="500"/>
+              </a:spcBef>
+              <a:defRPr sz="3492"/>
             </a:pPr>
             <a:r>
               <a:t>Head tag with a title tag</a:t>
             </a:r>
           </a:p>
           <a:p>
-            <a:pPr marL="505968" indent="-505968" defTabSz="2023821">
-              <a:spcBef>
-                <a:spcPts val="400"/>
-              </a:spcBef>
-              <a:defRPr sz="2988"/>
+            <a:pPr marL="591312" indent="-591312" defTabSz="2365188">
+              <a:spcBef>
+                <a:spcPts val="500"/>
+              </a:spcBef>
+              <a:defRPr sz="3492"/>
             </a:pPr>
             <a:r>
               <a:t>H1 tag with a title of your choice</a:t>
             </a:r>
           </a:p>
           <a:p>
-            <a:pPr marL="505968" indent="-505968" defTabSz="2023821">
-              <a:spcBef>
-                <a:spcPts val="400"/>
-              </a:spcBef>
-              <a:defRPr sz="2988"/>
+            <a:pPr marL="591312" indent="-591312" defTabSz="2365188">
+              <a:spcBef>
+                <a:spcPts val="500"/>
+              </a:spcBef>
+              <a:defRPr sz="3492"/>
             </a:pPr>
             <a:r>
               <a:t>Embed an image</a:t>
             </a:r>
           </a:p>
           <a:p>
-            <a:pPr marL="505968" indent="-505968" defTabSz="2023821">
-              <a:spcBef>
-                <a:spcPts val="400"/>
-              </a:spcBef>
-              <a:defRPr sz="2988"/>
+            <a:pPr marL="591312" indent="-591312" defTabSz="2365188">
+              <a:spcBef>
+                <a:spcPts val="500"/>
+              </a:spcBef>
+              <a:defRPr sz="3492"/>
             </a:pPr>
           </a:p>
           <a:p>
-            <a:pPr marL="505968" indent="-505968" defTabSz="2023821">
-              <a:spcBef>
-                <a:spcPts val="400"/>
-              </a:spcBef>
-              <a:defRPr sz="2988"/>
+            <a:pPr marL="591312" indent="-591312" defTabSz="2365188">
+              <a:spcBef>
+                <a:spcPts val="500"/>
+              </a:spcBef>
+              <a:defRPr sz="3492"/>
             </a:pPr>
             <a:r>
               <a:t>Create the following:</a:t>
             </a:r>
           </a:p>
           <a:p>
-            <a:pPr lvl="1" marL="1011936" indent="-505968" defTabSz="2023821">
-              <a:spcBef>
-                <a:spcPts val="400"/>
-              </a:spcBef>
-              <a:defRPr sz="2988"/>
+            <a:pPr lvl="1" marL="1182624" indent="-591312" defTabSz="2365188">
+              <a:spcBef>
+                <a:spcPts val="500"/>
+              </a:spcBef>
+              <a:defRPr sz="3492"/>
             </a:pPr>
             <a:r>
               <a:t>One link that is </a:t>
@@ -7314,22 +7311,22 @@
             </a:r>
           </a:p>
           <a:p>
-            <a:pPr lvl="1" marL="1011936" indent="-505968" defTabSz="2023821">
-              <a:spcBef>
-                <a:spcPts val="400"/>
-              </a:spcBef>
-              <a:defRPr sz="2988"/>
+            <a:pPr lvl="1" marL="1182624" indent="-591312" defTabSz="2365188">
+              <a:spcBef>
+                <a:spcPts val="500"/>
+              </a:spcBef>
+              <a:defRPr sz="3492"/>
             </a:pPr>
             <a:r>
               <a:t>Make a second link bold</a:t>
             </a:r>
           </a:p>
           <a:p>
-            <a:pPr lvl="1" marL="1011936" indent="-505968" defTabSz="2023821">
-              <a:spcBef>
-                <a:spcPts val="400"/>
-              </a:spcBef>
-              <a:defRPr sz="2988"/>
+            <a:pPr lvl="1" marL="1182624" indent="-591312" defTabSz="2365188">
+              <a:spcBef>
+                <a:spcPts val="500"/>
+              </a:spcBef>
+              <a:defRPr sz="3492"/>
             </a:pPr>
             <a:r>
               <a:t>Make a third link a placeholder so it doesn’t navigate anywhere</a:t>
